--- a/ppt/3.1栈.pptx
+++ b/ppt/3.1栈.pptx
@@ -262,7 +262,7 @@
           <a:p>
             <a:fld id="{66C3546E-20F6-7649-A9A4-4E4A245D3E82}" type="datetimeFigureOut">
               <a:rPr kumimoji="1" lang="zh-CN" altLang="en-US" smtClean="0"/>
-              <a:t>2020/2/27</a:t>
+              <a:t>2020/3/5</a:t>
             </a:fld>
             <a:endParaRPr kumimoji="1" lang="zh-CN" altLang="en-US"/>
           </a:p>
@@ -1850,7 +1850,7 @@
           <a:p>
             <a:fld id="{1C49BB65-7B3F-4D4E-A397-BBFD82890A5A}" type="datetimeFigureOut">
               <a:rPr kumimoji="1" lang="zh-CN" altLang="en-US" smtClean="0"/>
-              <a:t>2020/2/27</a:t>
+              <a:t>2020/3/5</a:t>
             </a:fld>
             <a:endParaRPr kumimoji="1" lang="zh-CN" altLang="en-US"/>
           </a:p>
@@ -2048,7 +2048,7 @@
           <a:p>
             <a:fld id="{1C49BB65-7B3F-4D4E-A397-BBFD82890A5A}" type="datetimeFigureOut">
               <a:rPr kumimoji="1" lang="zh-CN" altLang="en-US" smtClean="0"/>
-              <a:t>2020/2/27</a:t>
+              <a:t>2020/3/5</a:t>
             </a:fld>
             <a:endParaRPr kumimoji="1" lang="zh-CN" altLang="en-US"/>
           </a:p>
@@ -2256,7 +2256,7 @@
           <a:p>
             <a:fld id="{1C49BB65-7B3F-4D4E-A397-BBFD82890A5A}" type="datetimeFigureOut">
               <a:rPr kumimoji="1" lang="zh-CN" altLang="en-US" smtClean="0"/>
-              <a:t>2020/2/27</a:t>
+              <a:t>2020/3/5</a:t>
             </a:fld>
             <a:endParaRPr kumimoji="1" lang="zh-CN" altLang="en-US"/>
           </a:p>
@@ -2454,7 +2454,7 @@
           <a:p>
             <a:fld id="{1C49BB65-7B3F-4D4E-A397-BBFD82890A5A}" type="datetimeFigureOut">
               <a:rPr kumimoji="1" lang="zh-CN" altLang="en-US" smtClean="0"/>
-              <a:t>2020/2/27</a:t>
+              <a:t>2020/3/5</a:t>
             </a:fld>
             <a:endParaRPr kumimoji="1" lang="zh-CN" altLang="en-US"/>
           </a:p>
@@ -2729,7 +2729,7 @@
           <a:p>
             <a:fld id="{1C49BB65-7B3F-4D4E-A397-BBFD82890A5A}" type="datetimeFigureOut">
               <a:rPr kumimoji="1" lang="zh-CN" altLang="en-US" smtClean="0"/>
-              <a:t>2020/2/27</a:t>
+              <a:t>2020/3/5</a:t>
             </a:fld>
             <a:endParaRPr kumimoji="1" lang="zh-CN" altLang="en-US"/>
           </a:p>
@@ -2994,7 +2994,7 @@
           <a:p>
             <a:fld id="{1C49BB65-7B3F-4D4E-A397-BBFD82890A5A}" type="datetimeFigureOut">
               <a:rPr kumimoji="1" lang="zh-CN" altLang="en-US" smtClean="0"/>
-              <a:t>2020/2/27</a:t>
+              <a:t>2020/3/5</a:t>
             </a:fld>
             <a:endParaRPr kumimoji="1" lang="zh-CN" altLang="en-US"/>
           </a:p>
@@ -3406,7 +3406,7 @@
           <a:p>
             <a:fld id="{1C49BB65-7B3F-4D4E-A397-BBFD82890A5A}" type="datetimeFigureOut">
               <a:rPr kumimoji="1" lang="zh-CN" altLang="en-US" smtClean="0"/>
-              <a:t>2020/2/27</a:t>
+              <a:t>2020/3/5</a:t>
             </a:fld>
             <a:endParaRPr kumimoji="1" lang="zh-CN" altLang="en-US"/>
           </a:p>
@@ -3547,7 +3547,7 @@
           <a:p>
             <a:fld id="{1C49BB65-7B3F-4D4E-A397-BBFD82890A5A}" type="datetimeFigureOut">
               <a:rPr kumimoji="1" lang="zh-CN" altLang="en-US" smtClean="0"/>
-              <a:t>2020/2/27</a:t>
+              <a:t>2020/3/5</a:t>
             </a:fld>
             <a:endParaRPr kumimoji="1" lang="zh-CN" altLang="en-US"/>
           </a:p>
@@ -3917,7 +3917,7 @@
           <a:p>
             <a:fld id="{1C49BB65-7B3F-4D4E-A397-BBFD82890A5A}" type="datetimeFigureOut">
               <a:rPr kumimoji="1" lang="zh-CN" altLang="en-US" smtClean="0"/>
-              <a:t>2020/2/27</a:t>
+              <a:t>2020/3/5</a:t>
             </a:fld>
             <a:endParaRPr kumimoji="1" lang="zh-CN" altLang="en-US"/>
           </a:p>
@@ -4205,7 +4205,7 @@
           <a:p>
             <a:fld id="{1C49BB65-7B3F-4D4E-A397-BBFD82890A5A}" type="datetimeFigureOut">
               <a:rPr kumimoji="1" lang="zh-CN" altLang="en-US" smtClean="0"/>
-              <a:t>2020/2/27</a:t>
+              <a:t>2020/3/5</a:t>
             </a:fld>
             <a:endParaRPr kumimoji="1" lang="zh-CN" altLang="en-US"/>
           </a:p>
@@ -4446,7 +4446,7 @@
           <a:p>
             <a:fld id="{1C49BB65-7B3F-4D4E-A397-BBFD82890A5A}" type="datetimeFigureOut">
               <a:rPr kumimoji="1" lang="zh-CN" altLang="en-US" smtClean="0"/>
-              <a:t>2020/2/27</a:t>
+              <a:t>2020/3/5</a:t>
             </a:fld>
             <a:endParaRPr kumimoji="1" lang="zh-CN" altLang="en-US"/>
           </a:p>
@@ -5006,7 +5006,28 @@
                 <a:latin typeface="Microsoft YaHei" panose="020B0503020204020204" pitchFamily="34" charset="-122"/>
                 <a:ea typeface="Microsoft YaHei" panose="020B0503020204020204" pitchFamily="34" charset="-122"/>
               </a:rPr>
-              <a:t>第四节课 栈</a:t>
+              <a:t>第</a:t>
+            </a:r>
+            <a:r>
+              <a:rPr kumimoji="1" lang="en-US" altLang="zh-CN" sz="4000">
+                <a:latin typeface="Microsoft YaHei" panose="020B0503020204020204" pitchFamily="34" charset="-122"/>
+                <a:ea typeface="Microsoft YaHei" panose="020B0503020204020204" pitchFamily="34" charset="-122"/>
+              </a:rPr>
+              <a:t>4</a:t>
+            </a:r>
+            <a:r>
+              <a:rPr kumimoji="1" lang="zh-CN" altLang="en-US" sz="4000">
+                <a:latin typeface="Microsoft YaHei" panose="020B0503020204020204" pitchFamily="34" charset="-122"/>
+                <a:ea typeface="Microsoft YaHei" panose="020B0503020204020204" pitchFamily="34" charset="-122"/>
+              </a:rPr>
+              <a:t>节</a:t>
+            </a:r>
+            <a:r>
+              <a:rPr kumimoji="1" lang="zh-CN" altLang="en-US" sz="4000" dirty="0">
+                <a:latin typeface="Microsoft YaHei" panose="020B0503020204020204" pitchFamily="34" charset="-122"/>
+                <a:ea typeface="Microsoft YaHei" panose="020B0503020204020204" pitchFamily="34" charset="-122"/>
+              </a:rPr>
+              <a:t>课 栈</a:t>
             </a:r>
           </a:p>
         </p:txBody>

--- a/ppt/3.1栈.pptx
+++ b/ppt/3.1栈.pptx
@@ -262,7 +262,7 @@
           <a:p>
             <a:fld id="{66C3546E-20F6-7649-A9A4-4E4A245D3E82}" type="datetimeFigureOut">
               <a:rPr kumimoji="1" lang="zh-CN" altLang="en-US" smtClean="0"/>
-              <a:t>2020/3/5</a:t>
+              <a:t>2020/3/6</a:t>
             </a:fld>
             <a:endParaRPr kumimoji="1" lang="zh-CN" altLang="en-US"/>
           </a:p>
@@ -1850,7 +1850,7 @@
           <a:p>
             <a:fld id="{1C49BB65-7B3F-4D4E-A397-BBFD82890A5A}" type="datetimeFigureOut">
               <a:rPr kumimoji="1" lang="zh-CN" altLang="en-US" smtClean="0"/>
-              <a:t>2020/3/5</a:t>
+              <a:t>2020/3/6</a:t>
             </a:fld>
             <a:endParaRPr kumimoji="1" lang="zh-CN" altLang="en-US"/>
           </a:p>
@@ -2048,7 +2048,7 @@
           <a:p>
             <a:fld id="{1C49BB65-7B3F-4D4E-A397-BBFD82890A5A}" type="datetimeFigureOut">
               <a:rPr kumimoji="1" lang="zh-CN" altLang="en-US" smtClean="0"/>
-              <a:t>2020/3/5</a:t>
+              <a:t>2020/3/6</a:t>
             </a:fld>
             <a:endParaRPr kumimoji="1" lang="zh-CN" altLang="en-US"/>
           </a:p>
@@ -2256,7 +2256,7 @@
           <a:p>
             <a:fld id="{1C49BB65-7B3F-4D4E-A397-BBFD82890A5A}" type="datetimeFigureOut">
               <a:rPr kumimoji="1" lang="zh-CN" altLang="en-US" smtClean="0"/>
-              <a:t>2020/3/5</a:t>
+              <a:t>2020/3/6</a:t>
             </a:fld>
             <a:endParaRPr kumimoji="1" lang="zh-CN" altLang="en-US"/>
           </a:p>
@@ -2454,7 +2454,7 @@
           <a:p>
             <a:fld id="{1C49BB65-7B3F-4D4E-A397-BBFD82890A5A}" type="datetimeFigureOut">
               <a:rPr kumimoji="1" lang="zh-CN" altLang="en-US" smtClean="0"/>
-              <a:t>2020/3/5</a:t>
+              <a:t>2020/3/6</a:t>
             </a:fld>
             <a:endParaRPr kumimoji="1" lang="zh-CN" altLang="en-US"/>
           </a:p>
@@ -2729,7 +2729,7 @@
           <a:p>
             <a:fld id="{1C49BB65-7B3F-4D4E-A397-BBFD82890A5A}" type="datetimeFigureOut">
               <a:rPr kumimoji="1" lang="zh-CN" altLang="en-US" smtClean="0"/>
-              <a:t>2020/3/5</a:t>
+              <a:t>2020/3/6</a:t>
             </a:fld>
             <a:endParaRPr kumimoji="1" lang="zh-CN" altLang="en-US"/>
           </a:p>
@@ -2994,7 +2994,7 @@
           <a:p>
             <a:fld id="{1C49BB65-7B3F-4D4E-A397-BBFD82890A5A}" type="datetimeFigureOut">
               <a:rPr kumimoji="1" lang="zh-CN" altLang="en-US" smtClean="0"/>
-              <a:t>2020/3/5</a:t>
+              <a:t>2020/3/6</a:t>
             </a:fld>
             <a:endParaRPr kumimoji="1" lang="zh-CN" altLang="en-US"/>
           </a:p>
@@ -3406,7 +3406,7 @@
           <a:p>
             <a:fld id="{1C49BB65-7B3F-4D4E-A397-BBFD82890A5A}" type="datetimeFigureOut">
               <a:rPr kumimoji="1" lang="zh-CN" altLang="en-US" smtClean="0"/>
-              <a:t>2020/3/5</a:t>
+              <a:t>2020/3/6</a:t>
             </a:fld>
             <a:endParaRPr kumimoji="1" lang="zh-CN" altLang="en-US"/>
           </a:p>
@@ -3547,7 +3547,7 @@
           <a:p>
             <a:fld id="{1C49BB65-7B3F-4D4E-A397-BBFD82890A5A}" type="datetimeFigureOut">
               <a:rPr kumimoji="1" lang="zh-CN" altLang="en-US" smtClean="0"/>
-              <a:t>2020/3/5</a:t>
+              <a:t>2020/3/6</a:t>
             </a:fld>
             <a:endParaRPr kumimoji="1" lang="zh-CN" altLang="en-US"/>
           </a:p>
@@ -3917,7 +3917,7 @@
           <a:p>
             <a:fld id="{1C49BB65-7B3F-4D4E-A397-BBFD82890A5A}" type="datetimeFigureOut">
               <a:rPr kumimoji="1" lang="zh-CN" altLang="en-US" smtClean="0"/>
-              <a:t>2020/3/5</a:t>
+              <a:t>2020/3/6</a:t>
             </a:fld>
             <a:endParaRPr kumimoji="1" lang="zh-CN" altLang="en-US"/>
           </a:p>
@@ -4205,7 +4205,7 @@
           <a:p>
             <a:fld id="{1C49BB65-7B3F-4D4E-A397-BBFD82890A5A}" type="datetimeFigureOut">
               <a:rPr kumimoji="1" lang="zh-CN" altLang="en-US" smtClean="0"/>
-              <a:t>2020/3/5</a:t>
+              <a:t>2020/3/6</a:t>
             </a:fld>
             <a:endParaRPr kumimoji="1" lang="zh-CN" altLang="en-US"/>
           </a:p>
@@ -4446,7 +4446,7 @@
           <a:p>
             <a:fld id="{1C49BB65-7B3F-4D4E-A397-BBFD82890A5A}" type="datetimeFigureOut">
               <a:rPr kumimoji="1" lang="zh-CN" altLang="en-US" smtClean="0"/>
-              <a:t>2020/3/5</a:t>
+              <a:t>2020/3/6</a:t>
             </a:fld>
             <a:endParaRPr kumimoji="1" lang="zh-CN" altLang="en-US"/>
           </a:p>
@@ -5032,6 +5032,49 @@
           </a:p>
         </p:txBody>
       </p:sp>
+      <p:pic>
+        <p:nvPicPr>
+          <p:cNvPr id="5" name="图片 2">
+            <a:extLst>
+              <a:ext uri="{FF2B5EF4-FFF2-40B4-BE49-F238E27FC236}">
+                <a16:creationId xmlns:a16="http://schemas.microsoft.com/office/drawing/2014/main" id="{B55A683A-188A-5247-A932-A13D151D0808}"/>
+              </a:ext>
+            </a:extLst>
+          </p:cNvPr>
+          <p:cNvPicPr>
+            <a:picLocks noChangeAspect="1" noChangeArrowheads="1"/>
+          </p:cNvPicPr>
+          <p:nvPr/>
+        </p:nvPicPr>
+        <p:blipFill>
+          <a:blip r:embed="rId3" cstate="print">
+            <a:extLst>
+              <a:ext uri="{28A0092B-C50C-407E-A947-70E740481C1C}">
+                <a14:useLocalDpi xmlns:a14="http://schemas.microsoft.com/office/drawing/2010/main" val="0"/>
+              </a:ext>
+            </a:extLst>
+          </a:blip>
+          <a:srcRect l="2818" t="9651" r="2068" b="9219"/>
+          <a:stretch>
+            <a:fillRect/>
+          </a:stretch>
+        </p:blipFill>
+        <p:spPr bwMode="auto">
+          <a:xfrm>
+            <a:off x="9186863" y="0"/>
+            <a:ext cx="3005137" cy="782637"/>
+          </a:xfrm>
+          <a:prstGeom prst="rect">
+            <a:avLst/>
+          </a:prstGeom>
+          <a:solidFill>
+            <a:schemeClr val="accent1"/>
+          </a:solidFill>
+          <a:ln>
+            <a:noFill/>
+          </a:ln>
+        </p:spPr>
+      </p:pic>
     </p:spTree>
     <p:extLst>
       <p:ext uri="{BB962C8B-B14F-4D97-AF65-F5344CB8AC3E}">

--- a/ppt/3.1栈.pptx
+++ b/ppt/3.1栈.pptx
@@ -262,7 +262,7 @@
           <a:p>
             <a:fld id="{66C3546E-20F6-7649-A9A4-4E4A245D3E82}" type="datetimeFigureOut">
               <a:rPr kumimoji="1" lang="zh-CN" altLang="en-US" smtClean="0"/>
-              <a:t>2020/3/6</a:t>
+              <a:t>2020/3/9</a:t>
             </a:fld>
             <a:endParaRPr kumimoji="1" lang="zh-CN" altLang="en-US"/>
           </a:p>
@@ -1850,7 +1850,7 @@
           <a:p>
             <a:fld id="{1C49BB65-7B3F-4D4E-A397-BBFD82890A5A}" type="datetimeFigureOut">
               <a:rPr kumimoji="1" lang="zh-CN" altLang="en-US" smtClean="0"/>
-              <a:t>2020/3/6</a:t>
+              <a:t>2020/3/9</a:t>
             </a:fld>
             <a:endParaRPr kumimoji="1" lang="zh-CN" altLang="en-US"/>
           </a:p>
@@ -2048,7 +2048,7 @@
           <a:p>
             <a:fld id="{1C49BB65-7B3F-4D4E-A397-BBFD82890A5A}" type="datetimeFigureOut">
               <a:rPr kumimoji="1" lang="zh-CN" altLang="en-US" smtClean="0"/>
-              <a:t>2020/3/6</a:t>
+              <a:t>2020/3/9</a:t>
             </a:fld>
             <a:endParaRPr kumimoji="1" lang="zh-CN" altLang="en-US"/>
           </a:p>
@@ -2256,7 +2256,7 @@
           <a:p>
             <a:fld id="{1C49BB65-7B3F-4D4E-A397-BBFD82890A5A}" type="datetimeFigureOut">
               <a:rPr kumimoji="1" lang="zh-CN" altLang="en-US" smtClean="0"/>
-              <a:t>2020/3/6</a:t>
+              <a:t>2020/3/9</a:t>
             </a:fld>
             <a:endParaRPr kumimoji="1" lang="zh-CN" altLang="en-US"/>
           </a:p>
@@ -2454,7 +2454,7 @@
           <a:p>
             <a:fld id="{1C49BB65-7B3F-4D4E-A397-BBFD82890A5A}" type="datetimeFigureOut">
               <a:rPr kumimoji="1" lang="zh-CN" altLang="en-US" smtClean="0"/>
-              <a:t>2020/3/6</a:t>
+              <a:t>2020/3/9</a:t>
             </a:fld>
             <a:endParaRPr kumimoji="1" lang="zh-CN" altLang="en-US"/>
           </a:p>
@@ -2729,7 +2729,7 @@
           <a:p>
             <a:fld id="{1C49BB65-7B3F-4D4E-A397-BBFD82890A5A}" type="datetimeFigureOut">
               <a:rPr kumimoji="1" lang="zh-CN" altLang="en-US" smtClean="0"/>
-              <a:t>2020/3/6</a:t>
+              <a:t>2020/3/9</a:t>
             </a:fld>
             <a:endParaRPr kumimoji="1" lang="zh-CN" altLang="en-US"/>
           </a:p>
@@ -2994,7 +2994,7 @@
           <a:p>
             <a:fld id="{1C49BB65-7B3F-4D4E-A397-BBFD82890A5A}" type="datetimeFigureOut">
               <a:rPr kumimoji="1" lang="zh-CN" altLang="en-US" smtClean="0"/>
-              <a:t>2020/3/6</a:t>
+              <a:t>2020/3/9</a:t>
             </a:fld>
             <a:endParaRPr kumimoji="1" lang="zh-CN" altLang="en-US"/>
           </a:p>
@@ -3406,7 +3406,7 @@
           <a:p>
             <a:fld id="{1C49BB65-7B3F-4D4E-A397-BBFD82890A5A}" type="datetimeFigureOut">
               <a:rPr kumimoji="1" lang="zh-CN" altLang="en-US" smtClean="0"/>
-              <a:t>2020/3/6</a:t>
+              <a:t>2020/3/9</a:t>
             </a:fld>
             <a:endParaRPr kumimoji="1" lang="zh-CN" altLang="en-US"/>
           </a:p>
@@ -3547,7 +3547,7 @@
           <a:p>
             <a:fld id="{1C49BB65-7B3F-4D4E-A397-BBFD82890A5A}" type="datetimeFigureOut">
               <a:rPr kumimoji="1" lang="zh-CN" altLang="en-US" smtClean="0"/>
-              <a:t>2020/3/6</a:t>
+              <a:t>2020/3/9</a:t>
             </a:fld>
             <a:endParaRPr kumimoji="1" lang="zh-CN" altLang="en-US"/>
           </a:p>
@@ -3917,7 +3917,7 @@
           <a:p>
             <a:fld id="{1C49BB65-7B3F-4D4E-A397-BBFD82890A5A}" type="datetimeFigureOut">
               <a:rPr kumimoji="1" lang="zh-CN" altLang="en-US" smtClean="0"/>
-              <a:t>2020/3/6</a:t>
+              <a:t>2020/3/9</a:t>
             </a:fld>
             <a:endParaRPr kumimoji="1" lang="zh-CN" altLang="en-US"/>
           </a:p>
@@ -4205,7 +4205,7 @@
           <a:p>
             <a:fld id="{1C49BB65-7B3F-4D4E-A397-BBFD82890A5A}" type="datetimeFigureOut">
               <a:rPr kumimoji="1" lang="zh-CN" altLang="en-US" smtClean="0"/>
-              <a:t>2020/3/6</a:t>
+              <a:t>2020/3/9</a:t>
             </a:fld>
             <a:endParaRPr kumimoji="1" lang="zh-CN" altLang="en-US"/>
           </a:p>
@@ -4446,7 +4446,7 @@
           <a:p>
             <a:fld id="{1C49BB65-7B3F-4D4E-A397-BBFD82890A5A}" type="datetimeFigureOut">
               <a:rPr kumimoji="1" lang="zh-CN" altLang="en-US" smtClean="0"/>
-              <a:t>2020/3/6</a:t>
+              <a:t>2020/3/9</a:t>
             </a:fld>
             <a:endParaRPr kumimoji="1" lang="zh-CN" altLang="en-US"/>
           </a:p>
@@ -18134,20 +18134,28 @@
           <a:lstStyle/>
           <a:p>
             <a:r>
-              <a:rPr kumimoji="1" lang="zh-CN" altLang="en-US" dirty="0">
-                <a:solidFill>
-                  <a:schemeClr val="bg1"/>
-                </a:solidFill>
-              </a:rPr>
-              <a:t>）要大于 </a:t>
-            </a:r>
-            <a:r>
               <a:rPr kumimoji="1" lang="en-US" altLang="zh-CN" dirty="0">
                 <a:solidFill>
                   <a:schemeClr val="bg1"/>
                 </a:solidFill>
               </a:rPr>
               <a:t>-</a:t>
+            </a:r>
+            <a:r>
+              <a:rPr kumimoji="1" lang="zh-CN" altLang="en-US" dirty="0">
+                <a:solidFill>
+                  <a:schemeClr val="bg1"/>
+                </a:solidFill>
+              </a:rPr>
+              <a:t>要大</a:t>
+            </a:r>
+            <a:r>
+              <a:rPr kumimoji="1" lang="en-US" altLang="zh-CN" dirty="0">
+                <a:solidFill>
+                  <a:schemeClr val="bg1"/>
+                </a:solidFill>
+              </a:rPr>
+              <a:t>)</a:t>
             </a:r>
             <a:r>
               <a:rPr kumimoji="1" lang="zh-CN" altLang="en-US" dirty="0">
